--- a/SQL Server & Containers.pptx
+++ b/SQL Server & Containers.pptx
@@ -5,7 +5,7 @@
     <p:sldMasterId id="2147483767" r:id="rId1"/>
   </p:sldMasterIdLst>
   <p:notesMasterIdLst>
-    <p:notesMasterId r:id="rId23"/>
+    <p:notesMasterId r:id="rId24"/>
   </p:notesMasterIdLst>
   <p:sldIdLst>
     <p:sldId id="356" r:id="rId2"/>
@@ -13,22 +13,23 @@
     <p:sldId id="355" r:id="rId4"/>
     <p:sldId id="314" r:id="rId5"/>
     <p:sldId id="267" r:id="rId6"/>
-    <p:sldId id="307" r:id="rId7"/>
-    <p:sldId id="289" r:id="rId8"/>
-    <p:sldId id="266" r:id="rId9"/>
-    <p:sldId id="265" r:id="rId10"/>
+    <p:sldId id="289" r:id="rId7"/>
+    <p:sldId id="266" r:id="rId8"/>
+    <p:sldId id="265" r:id="rId9"/>
+    <p:sldId id="358" r:id="rId10"/>
     <p:sldId id="334" r:id="rId11"/>
-    <p:sldId id="286" r:id="rId12"/>
-    <p:sldId id="264" r:id="rId13"/>
-    <p:sldId id="257" r:id="rId14"/>
-    <p:sldId id="258" r:id="rId15"/>
-    <p:sldId id="262" r:id="rId16"/>
-    <p:sldId id="259" r:id="rId17"/>
-    <p:sldId id="260" r:id="rId18"/>
-    <p:sldId id="261" r:id="rId19"/>
-    <p:sldId id="333" r:id="rId20"/>
-    <p:sldId id="331" r:id="rId21"/>
-    <p:sldId id="324" r:id="rId22"/>
+    <p:sldId id="360" r:id="rId12"/>
+    <p:sldId id="286" r:id="rId13"/>
+    <p:sldId id="264" r:id="rId14"/>
+    <p:sldId id="257" r:id="rId15"/>
+    <p:sldId id="258" r:id="rId16"/>
+    <p:sldId id="262" r:id="rId17"/>
+    <p:sldId id="259" r:id="rId18"/>
+    <p:sldId id="260" r:id="rId19"/>
+    <p:sldId id="261" r:id="rId20"/>
+    <p:sldId id="333" r:id="rId21"/>
+    <p:sldId id="331" r:id="rId22"/>
+    <p:sldId id="324" r:id="rId23"/>
   </p:sldIdLst>
   <p:sldSz cx="12192000" cy="6858000"/>
   <p:notesSz cx="6858000" cy="9144000"/>
@@ -228,7 +229,7 @@
           <a:p>
             <a:fld id="{F6BA8C7E-A341-4505-930A-A91A2761E8F7}" type="datetimeFigureOut">
               <a:rPr lang="en-GB" smtClean="0"/>
-              <a:t>21/03/2018</a:t>
+              <a:t>13/07/2018</a:t>
             </a:fld>
             <a:endParaRPr lang="en-GB"/>
           </a:p>
@@ -627,7 +628,7 @@
           <a:p>
             <a:fld id="{4BDF68E2-58F2-4D09-BE8B-E3BD06533059}" type="datetimeFigureOut">
               <a:rPr lang="en-US" smtClean="0"/>
-              <a:t>3/21/2018</a:t>
+              <a:t>7/13/2018</a:t>
             </a:fld>
             <a:endParaRPr lang="en-US" dirty="0"/>
           </a:p>
@@ -797,7 +798,7 @@
           <a:p>
             <a:fld id="{2E2D6473-DF6D-4702-B328-E0DD40540A4E}" type="datetimeFigureOut">
               <a:rPr lang="en-US" smtClean="0"/>
-              <a:t>3/21/2018</a:t>
+              <a:t>7/13/2018</a:t>
             </a:fld>
             <a:endParaRPr lang="en-US" dirty="0"/>
           </a:p>
@@ -977,7 +978,7 @@
           <a:p>
             <a:fld id="{E26F7E3A-B166-407D-9866-32884E7D5B37}" type="datetimeFigureOut">
               <a:rPr lang="en-US" smtClean="0"/>
-              <a:t>3/21/2018</a:t>
+              <a:t>7/13/2018</a:t>
             </a:fld>
             <a:endParaRPr lang="en-US" dirty="0"/>
           </a:p>
@@ -1147,7 +1148,7 @@
           <a:p>
             <a:fld id="{528FC5F6-F338-4AE4-BB23-26385BCFC423}" type="datetimeFigureOut">
               <a:rPr lang="en-US" smtClean="0"/>
-              <a:t>3/21/2018</a:t>
+              <a:t>7/13/2018</a:t>
             </a:fld>
             <a:endParaRPr lang="en-US" dirty="0"/>
           </a:p>
@@ -1393,7 +1394,7 @@
           <a:p>
             <a:fld id="{20EBB0C4-6273-4C6E-B9BD-2EDC30F1CD52}" type="datetimeFigureOut">
               <a:rPr lang="en-US" smtClean="0"/>
-              <a:t>3/21/2018</a:t>
+              <a:t>7/13/2018</a:t>
             </a:fld>
             <a:endParaRPr lang="en-US" dirty="0"/>
           </a:p>
@@ -1625,7 +1626,7 @@
           <a:p>
             <a:fld id="{19AB4D41-86C1-4908-B66A-0B50CEB3BF29}" type="datetimeFigureOut">
               <a:rPr lang="en-US" smtClean="0"/>
-              <a:t>3/21/2018</a:t>
+              <a:t>7/13/2018</a:t>
             </a:fld>
             <a:endParaRPr lang="en-US" dirty="0"/>
           </a:p>
@@ -1992,7 +1993,7 @@
           <a:p>
             <a:fld id="{E6426E2C-56C1-4E0D-A793-0088A7FDD37E}" type="datetimeFigureOut">
               <a:rPr lang="en-US" smtClean="0"/>
-              <a:t>3/21/2018</a:t>
+              <a:t>7/13/2018</a:t>
             </a:fld>
             <a:endParaRPr lang="en-US" dirty="0"/>
           </a:p>
@@ -2110,7 +2111,7 @@
           <a:p>
             <a:fld id="{C8C39B41-D8B5-4052-B551-9B5525EAA8B6}" type="datetimeFigureOut">
               <a:rPr lang="en-US" smtClean="0"/>
-              <a:t>3/21/2018</a:t>
+              <a:t>7/13/2018</a:t>
             </a:fld>
             <a:endParaRPr lang="en-US" dirty="0"/>
           </a:p>
@@ -2205,7 +2206,7 @@
           <a:p>
             <a:fld id="{4D94136C-8742-45B2-AF27-D93DF72833A9}" type="datetimeFigureOut">
               <a:rPr lang="en-US" smtClean="0"/>
-              <a:t>3/21/2018</a:t>
+              <a:t>7/13/2018</a:t>
             </a:fld>
             <a:endParaRPr lang="en-US" dirty="0"/>
           </a:p>
@@ -2483,7 +2484,7 @@
           <a:p>
             <a:fld id="{32ABBEA6-7C60-4B02-AE87-00D78D8422AF}" type="datetimeFigureOut">
               <a:rPr lang="en-US" smtClean="0"/>
-              <a:t>3/21/2018</a:t>
+              <a:t>7/13/2018</a:t>
             </a:fld>
             <a:endParaRPr lang="en-US" dirty="0"/>
           </a:p>
@@ -2737,7 +2738,7 @@
           <a:p>
             <a:fld id="{C9CAD897-D46E-4AD2-BD9B-49DD3E640873}" type="datetimeFigureOut">
               <a:rPr lang="en-US" smtClean="0"/>
-              <a:t>3/21/2018</a:t>
+              <a:t>7/13/2018</a:t>
             </a:fld>
             <a:endParaRPr lang="en-US" dirty="0"/>
           </a:p>
@@ -2959,7 +2960,7 @@
           <a:p>
             <a:fld id="{98624D31-43A5-475A-80CF-332C9F6DCF35}" type="datetimeFigureOut">
               <a:rPr lang="en-US" smtClean="0"/>
-              <a:t>3/21/2018</a:t>
+              <a:t>7/13/2018</a:t>
             </a:fld>
             <a:endParaRPr lang="en-US" dirty="0"/>
           </a:p>
@@ -3443,8 +3444,8 @@
         </p:nvSpPr>
         <p:spPr>
           <a:xfrm>
-            <a:off x="332338" y="276196"/>
-            <a:ext cx="3759240" cy="1344975"/>
+            <a:off x="0" y="0"/>
+            <a:ext cx="5120196" cy="824471"/>
           </a:xfrm>
         </p:spPr>
         <p:txBody>
@@ -3459,86 +3460,39 @@
                   <a:schemeClr val="accent1"/>
                 </a:solidFill>
               </a:rPr>
-              <a:t>Windows 10</a:t>
-            </a:r>
-          </a:p>
-        </p:txBody>
-      </p:sp>
-      <p:sp>
-        <p:nvSpPr>
-          <p:cNvPr id="3" name="Content Placeholder 2"/>
-          <p:cNvSpPr>
-            <a:spLocks noGrp="1"/>
-          </p:cNvSpPr>
-          <p:nvPr>
-            <p:ph type="body" sz="half" idx="2"/>
-          </p:nvPr>
-        </p:nvSpPr>
-        <p:spPr>
-          <a:xfrm>
-            <a:off x="594109" y="2121763"/>
-            <a:ext cx="3893669" cy="2053195"/>
-          </a:xfrm>
-        </p:spPr>
-        <p:txBody>
-          <a:bodyPr vert="horz" lIns="91440" tIns="45720" rIns="91440" bIns="45720" rtlCol="0">
-            <a:normAutofit/>
-          </a:bodyPr>
-          <a:lstStyle/>
-          <a:p>
-            <a:pPr indent="-228600">
-              <a:buFont typeface="Arial" panose="020B0604020202020204" pitchFamily="34" charset="0"/>
-              <a:buChar char="•"/>
-            </a:pPr>
-            <a:r>
-              <a:rPr lang="en-US" sz="2400" dirty="0"/>
-              <a:t>Download .</a:t>
-            </a:r>
-            <a:r>
-              <a:rPr lang="en-US" sz="2400" dirty="0" err="1"/>
-              <a:t>msi</a:t>
-            </a:r>
-            <a:endParaRPr lang="en-US" sz="2400" dirty="0"/>
-          </a:p>
-          <a:p>
-            <a:pPr indent="-228600">
-              <a:buFont typeface="Arial" panose="020B0604020202020204" pitchFamily="34" charset="0"/>
-              <a:buChar char="•"/>
-            </a:pPr>
-            <a:r>
-              <a:rPr lang="en-US" sz="2400" dirty="0">
-                <a:hlinkClick r:id="rId2"/>
-              </a:rPr>
-              <a:t>https://store.docker.com/</a:t>
-            </a:r>
-            <a:r>
-              <a:rPr lang="en-US" sz="2400" dirty="0"/>
-              <a:t> </a:t>
+              <a:t>Visual Studio Code</a:t>
             </a:r>
           </a:p>
         </p:txBody>
       </p:sp>
       <p:pic>
         <p:nvPicPr>
-          <p:cNvPr id="6" name="Picture Placeholder 5"/>
-          <p:cNvPicPr preferRelativeResize="0">
-            <a:picLocks noGrp="1"/>
+          <p:cNvPr id="7" name="Picture 6">
+            <a:extLst>
+              <a:ext uri="{FF2B5EF4-FFF2-40B4-BE49-F238E27FC236}">
+                <a16:creationId xmlns:a16="http://schemas.microsoft.com/office/drawing/2014/main" id="{E78DAD74-BD13-4BE4-B1D6-43B871A43AA7}"/>
+              </a:ext>
+            </a:extLst>
+          </p:cNvPr>
+          <p:cNvPicPr>
+            <a:picLocks noChangeAspect="1"/>
           </p:cNvPicPr>
-          <p:nvPr>
-            <p:ph type="pic" idx="1"/>
-          </p:nvPr>
+          <p:nvPr/>
         </p:nvPicPr>
         <p:blipFill>
-          <a:blip r:embed="rId3"/>
+          <a:blip r:embed="rId2"/>
           <a:stretch>
             <a:fillRect/>
           </a:stretch>
         </p:blipFill>
         <p:spPr>
           <a:xfrm>
-            <a:off x="4773540" y="1465729"/>
-            <a:ext cx="7001117" cy="4442702"/>
+            <a:off x="485775" y="824471"/>
+            <a:ext cx="11220450" cy="5419725"/>
           </a:xfrm>
+          <a:prstGeom prst="rect">
+            <a:avLst/>
+          </a:prstGeom>
         </p:spPr>
       </p:pic>
     </p:spTree>
@@ -3573,7 +3527,7 @@
       </p:grpSpPr>
       <p:sp>
         <p:nvSpPr>
-          <p:cNvPr id="4" name="Title 3"/>
+          <p:cNvPr id="2" name="Title 1"/>
           <p:cNvSpPr>
             <a:spLocks noGrp="1"/>
           </p:cNvSpPr>
@@ -3581,47 +3535,68 @@
             <p:ph type="title"/>
           </p:nvPr>
         </p:nvSpPr>
-        <p:spPr/>
-        <p:txBody>
-          <a:bodyPr>
+        <p:spPr>
+          <a:xfrm>
+            <a:off x="1" y="0"/>
+            <a:ext cx="4673600" cy="847725"/>
+          </a:xfrm>
+        </p:spPr>
+        <p:txBody>
+          <a:bodyPr vert="horz" lIns="91440" tIns="45720" rIns="91440" bIns="45720" rtlCol="0" anchor="ctr">
             <a:normAutofit/>
           </a:bodyPr>
           <a:lstStyle/>
           <a:p>
             <a:r>
-              <a:rPr lang="en-GB" dirty="0">
+              <a:rPr lang="en-US" sz="4400" dirty="0" err="1">
                 <a:solidFill>
                   <a:schemeClr val="accent1"/>
                 </a:solidFill>
               </a:rPr>
-              <a:t>Demos</a:t>
-            </a:r>
-          </a:p>
-        </p:txBody>
-      </p:sp>
-      <p:sp>
-        <p:nvSpPr>
-          <p:cNvPr id="2" name="Text Placeholder 1"/>
-          <p:cNvSpPr>
-            <a:spLocks noGrp="1"/>
-          </p:cNvSpPr>
-          <p:nvPr>
-            <p:ph type="body" idx="1"/>
-          </p:nvPr>
-        </p:nvSpPr>
-        <p:spPr/>
-        <p:txBody>
-          <a:bodyPr/>
-          <a:lstStyle/>
-          <a:p>
-            <a:endParaRPr lang="en-GB" dirty="0"/>
-          </a:p>
-        </p:txBody>
-      </p:sp>
+              <a:t>dbatools</a:t>
+            </a:r>
+            <a:endParaRPr lang="en-US" sz="4400" dirty="0">
+              <a:solidFill>
+                <a:schemeClr val="accent1"/>
+              </a:solidFill>
+            </a:endParaRPr>
+          </a:p>
+        </p:txBody>
+      </p:sp>
+      <p:pic>
+        <p:nvPicPr>
+          <p:cNvPr id="5" name="Picture 4">
+            <a:extLst>
+              <a:ext uri="{FF2B5EF4-FFF2-40B4-BE49-F238E27FC236}">
+                <a16:creationId xmlns:a16="http://schemas.microsoft.com/office/drawing/2014/main" id="{1C430FC7-ECF4-49CB-8B3E-7BB0DC0E0F90}"/>
+              </a:ext>
+            </a:extLst>
+          </p:cNvPr>
+          <p:cNvPicPr>
+            <a:picLocks noChangeAspect="1"/>
+          </p:cNvPicPr>
+          <p:nvPr/>
+        </p:nvPicPr>
+        <p:blipFill>
+          <a:blip r:embed="rId2"/>
+          <a:stretch>
+            <a:fillRect/>
+          </a:stretch>
+        </p:blipFill>
+        <p:spPr>
+          <a:xfrm>
+            <a:off x="709612" y="765161"/>
+            <a:ext cx="10772775" cy="5610225"/>
+          </a:xfrm>
+          <a:prstGeom prst="rect">
+            <a:avLst/>
+          </a:prstGeom>
+        </p:spPr>
+      </p:pic>
     </p:spTree>
     <p:extLst>
       <p:ext uri="{BB962C8B-B14F-4D97-AF65-F5344CB8AC3E}">
-        <p14:creationId xmlns:p14="http://schemas.microsoft.com/office/powerpoint/2010/main" val="1078281942"/>
+        <p14:creationId xmlns:p14="http://schemas.microsoft.com/office/powerpoint/2010/main" val="2768568785"/>
       </p:ext>
     </p:extLst>
   </p:cSld>
@@ -3650,7 +3625,7 @@
       </p:grpSpPr>
       <p:sp>
         <p:nvSpPr>
-          <p:cNvPr id="2" name="Title 1"/>
+          <p:cNvPr id="4" name="Title 3"/>
           <p:cNvSpPr>
             <a:spLocks noGrp="1"/>
           </p:cNvSpPr>
@@ -3660,7 +3635,9 @@
         </p:nvSpPr>
         <p:spPr/>
         <p:txBody>
-          <a:bodyPr/>
+          <a:bodyPr>
+            <a:normAutofit/>
+          </a:bodyPr>
           <a:lstStyle/>
           <a:p>
             <a:r>
@@ -3669,14 +3646,14 @@
                   <a:schemeClr val="accent1"/>
                 </a:solidFill>
               </a:rPr>
-              <a:t>Case Study</a:t>
-            </a:r>
-          </a:p>
-        </p:txBody>
-      </p:sp>
-      <p:sp>
-        <p:nvSpPr>
-          <p:cNvPr id="4" name="Text Placeholder 3"/>
+              <a:t>Demos</a:t>
+            </a:r>
+          </a:p>
+        </p:txBody>
+      </p:sp>
+      <p:sp>
+        <p:nvSpPr>
+          <p:cNvPr id="2" name="Text Placeholder 1"/>
           <p:cNvSpPr>
             <a:spLocks noGrp="1"/>
           </p:cNvSpPr>
@@ -3696,7 +3673,7 @@
     </p:spTree>
     <p:extLst>
       <p:ext uri="{BB962C8B-B14F-4D97-AF65-F5344CB8AC3E}">
-        <p14:creationId xmlns:p14="http://schemas.microsoft.com/office/powerpoint/2010/main" val="3376263474"/>
+        <p14:creationId xmlns:p14="http://schemas.microsoft.com/office/powerpoint/2010/main" val="1078281942"/>
       </p:ext>
     </p:extLst>
   </p:cSld>
@@ -3733,12 +3710,7 @@
             <p:ph type="title"/>
           </p:nvPr>
         </p:nvSpPr>
-        <p:spPr>
-          <a:xfrm>
-            <a:off x="321733" y="280459"/>
-            <a:ext cx="10515600" cy="1325563"/>
-          </a:xfrm>
-        </p:spPr>
+        <p:spPr/>
         <p:txBody>
           <a:bodyPr/>
           <a:lstStyle/>
@@ -3749,88 +3721,34 @@
                   <a:schemeClr val="accent1"/>
                 </a:solidFill>
               </a:rPr>
-              <a:t>Problem</a:t>
-            </a:r>
-          </a:p>
-        </p:txBody>
-      </p:sp>
-      <p:sp>
-        <p:nvSpPr>
-          <p:cNvPr id="3" name="Content Placeholder 2"/>
-          <p:cNvSpPr>
-            <a:spLocks noGrp="1"/>
-          </p:cNvSpPr>
-          <p:nvPr>
-            <p:ph idx="1"/>
+              <a:t>Case Study</a:t>
+            </a:r>
+          </a:p>
+        </p:txBody>
+      </p:sp>
+      <p:sp>
+        <p:nvSpPr>
+          <p:cNvPr id="4" name="Text Placeholder 3"/>
+          <p:cNvSpPr>
+            <a:spLocks noGrp="1"/>
+          </p:cNvSpPr>
+          <p:nvPr>
+            <p:ph type="body" idx="1"/>
           </p:nvPr>
         </p:nvSpPr>
         <p:spPr/>
         <p:txBody>
-          <a:bodyPr>
-            <a:normAutofit/>
-          </a:bodyPr>
-          <a:lstStyle/>
-          <a:p>
-            <a:pPr marL="0" indent="0">
-              <a:buNone/>
-            </a:pPr>
-            <a:r>
-              <a:rPr lang="en-GB" dirty="0"/>
-              <a:t> </a:t>
-            </a:r>
-          </a:p>
-          <a:p>
-            <a:r>
-              <a:rPr lang="en-GB" sz="2800" dirty="0"/>
-              <a:t> QA/Dev departments repeatedly creating new VMs</a:t>
-            </a:r>
-          </a:p>
-          <a:p>
-            <a:r>
-              <a:rPr lang="en-GB" sz="2800" dirty="0"/>
-              <a:t> All VMs require a local instance of SQL Server</a:t>
-            </a:r>
-          </a:p>
-          <a:p>
-            <a:r>
-              <a:rPr lang="en-GB" sz="2800" dirty="0"/>
-              <a:t> SQL installed from </a:t>
-            </a:r>
-            <a:r>
-              <a:rPr lang="en-GB" sz="2800" dirty="0" err="1"/>
-              <a:t>chocolately</a:t>
-            </a:r>
-            <a:r>
-              <a:rPr lang="en-GB" sz="2800" dirty="0"/>
-              <a:t> </a:t>
-            </a:r>
-          </a:p>
-          <a:p>
-            <a:r>
-              <a:rPr lang="en-GB" sz="2800" dirty="0"/>
-              <a:t> 30+ databases then restored from baselines via </a:t>
-            </a:r>
-            <a:r>
-              <a:rPr lang="en-GB" sz="2800" dirty="0" err="1"/>
-              <a:t>PoSH</a:t>
-            </a:r>
-            <a:r>
-              <a:rPr lang="en-GB" sz="2800" dirty="0"/>
-              <a:t> scripts</a:t>
-            </a:r>
-          </a:p>
-          <a:p>
-            <a:r>
-              <a:rPr lang="en-GB" sz="2800" dirty="0"/>
-              <a:t> SQL install taking ~40 minutes from start to finish</a:t>
-            </a:r>
+          <a:bodyPr/>
+          <a:lstStyle/>
+          <a:p>
+            <a:endParaRPr lang="en-GB" dirty="0"/>
           </a:p>
         </p:txBody>
       </p:sp>
     </p:spTree>
     <p:extLst>
       <p:ext uri="{BB962C8B-B14F-4D97-AF65-F5344CB8AC3E}">
-        <p14:creationId xmlns:p14="http://schemas.microsoft.com/office/powerpoint/2010/main" val="3013416709"/>
+        <p14:creationId xmlns:p14="http://schemas.microsoft.com/office/powerpoint/2010/main" val="3376263474"/>
       </p:ext>
     </p:extLst>
   </p:cSld>
@@ -3869,7 +3787,7 @@
         </p:nvSpPr>
         <p:spPr>
           <a:xfrm>
-            <a:off x="338667" y="280458"/>
+            <a:off x="321733" y="280459"/>
             <a:ext cx="10515600" cy="1325563"/>
           </a:xfrm>
         </p:spPr>
@@ -3883,7 +3801,7 @@
                   <a:schemeClr val="accent1"/>
                 </a:solidFill>
               </a:rPr>
-              <a:t>Solution</a:t>
+              <a:t>Problem</a:t>
             </a:r>
           </a:p>
         </p:txBody>
@@ -3905,51 +3823,58 @@
           </a:bodyPr>
           <a:lstStyle/>
           <a:p>
-            <a:pPr>
-              <a:buFont typeface="Wingdings" panose="05000000000000000000" pitchFamily="2" charset="2"/>
-              <a:buChar char="§"/>
+            <a:pPr marL="0" indent="0">
+              <a:buNone/>
             </a:pPr>
-            <a:endParaRPr lang="en-GB" dirty="0"/>
-          </a:p>
-          <a:p>
-            <a:r>
-              <a:rPr lang="en-GB" sz="3200" dirty="0"/>
-              <a:t> Containers!</a:t>
-            </a:r>
-          </a:p>
-          <a:p>
-            <a:pPr lvl="1"/>
-            <a:r>
-              <a:rPr lang="en-GB" sz="3200" dirty="0"/>
-              <a:t> Implement containers running SQL Server for new VMs</a:t>
-            </a:r>
-          </a:p>
-          <a:p>
-            <a:pPr lvl="1"/>
-            <a:r>
-              <a:rPr lang="en-GB" sz="3200" dirty="0"/>
-              <a:t> SQL containers built from custom image </a:t>
-            </a:r>
-          </a:p>
-          <a:p>
-            <a:pPr lvl="1"/>
-            <a:r>
-              <a:rPr lang="en-GB" sz="3200" dirty="0"/>
-              <a:t> No longer need to install SQL</a:t>
-            </a:r>
-          </a:p>
-          <a:p>
-            <a:pPr lvl="1"/>
-            <a:r>
-              <a:rPr lang="en-GB" sz="3200" dirty="0"/>
-              <a:t> No longer need to restore databases</a:t>
-            </a:r>
-          </a:p>
-          <a:p>
-            <a:pPr lvl="1"/>
-            <a:r>
-              <a:rPr lang="en-GB" sz="3200" dirty="0"/>
-              <a:t> Resources freed up on VMs</a:t>
+            <a:r>
+              <a:rPr lang="en-GB" dirty="0"/>
+              <a:t> </a:t>
+            </a:r>
+          </a:p>
+          <a:p>
+            <a:r>
+              <a:rPr lang="en-GB" sz="2800" dirty="0"/>
+              <a:t> QA/Dev departments repeatedly creating new VMs</a:t>
+            </a:r>
+          </a:p>
+          <a:p>
+            <a:r>
+              <a:rPr lang="en-GB" sz="2800" dirty="0"/>
+              <a:t> All VMs require a local instance of SQL Server</a:t>
+            </a:r>
+          </a:p>
+          <a:p>
+            <a:r>
+              <a:rPr lang="en-GB" sz="2800" dirty="0"/>
+              <a:t> SQL installed from </a:t>
+            </a:r>
+            <a:r>
+              <a:rPr lang="en-GB" sz="2800" dirty="0" err="1"/>
+              <a:t>chocolately</a:t>
+            </a:r>
+            <a:r>
+              <a:rPr lang="en-GB" sz="2800" dirty="0"/>
+              <a:t> </a:t>
+            </a:r>
+          </a:p>
+          <a:p>
+            <a:r>
+              <a:rPr lang="en-GB" sz="2800" dirty="0"/>
+              <a:t> 30+ databases then restored from baselines via </a:t>
+            </a:r>
+            <a:r>
+              <a:rPr lang="en-GB" sz="2800" dirty="0" err="1"/>
+              <a:t>PoSH</a:t>
+            </a:r>
+            <a:r>
+              <a:rPr lang="en-GB" sz="2800" dirty="0"/>
+              <a:t> scripts</a:t>
+            </a:r>
+          </a:p>
+          <a:p>
+            <a:r>
+              <a:rPr lang="en-GB" sz="2800" dirty="0"/>
+              <a:t> SQL install taking ~40 minutes from start to finish</a:t>
             </a:r>
           </a:p>
         </p:txBody>
@@ -3957,7 +3882,7 @@
     </p:spTree>
     <p:extLst>
       <p:ext uri="{BB962C8B-B14F-4D97-AF65-F5344CB8AC3E}">
-        <p14:creationId xmlns:p14="http://schemas.microsoft.com/office/powerpoint/2010/main" val="1112767699"/>
+        <p14:creationId xmlns:p14="http://schemas.microsoft.com/office/powerpoint/2010/main" val="3013416709"/>
       </p:ext>
     </p:extLst>
   </p:cSld>
@@ -3996,6 +3921,133 @@
         </p:nvSpPr>
         <p:spPr>
           <a:xfrm>
+            <a:off x="338667" y="280458"/>
+            <a:ext cx="10515600" cy="1325563"/>
+          </a:xfrm>
+        </p:spPr>
+        <p:txBody>
+          <a:bodyPr/>
+          <a:lstStyle/>
+          <a:p>
+            <a:r>
+              <a:rPr lang="en-GB" dirty="0">
+                <a:solidFill>
+                  <a:schemeClr val="accent1"/>
+                </a:solidFill>
+              </a:rPr>
+              <a:t>Solution</a:t>
+            </a:r>
+          </a:p>
+        </p:txBody>
+      </p:sp>
+      <p:sp>
+        <p:nvSpPr>
+          <p:cNvPr id="3" name="Content Placeholder 2"/>
+          <p:cNvSpPr>
+            <a:spLocks noGrp="1"/>
+          </p:cNvSpPr>
+          <p:nvPr>
+            <p:ph idx="1"/>
+          </p:nvPr>
+        </p:nvSpPr>
+        <p:spPr/>
+        <p:txBody>
+          <a:bodyPr>
+            <a:normAutofit/>
+          </a:bodyPr>
+          <a:lstStyle/>
+          <a:p>
+            <a:pPr>
+              <a:buFont typeface="Wingdings" panose="05000000000000000000" pitchFamily="2" charset="2"/>
+              <a:buChar char="§"/>
+            </a:pPr>
+            <a:endParaRPr lang="en-GB" dirty="0"/>
+          </a:p>
+          <a:p>
+            <a:r>
+              <a:rPr lang="en-GB" sz="3200" dirty="0"/>
+              <a:t> Containers!</a:t>
+            </a:r>
+          </a:p>
+          <a:p>
+            <a:pPr lvl="1"/>
+            <a:r>
+              <a:rPr lang="en-GB" sz="3200" dirty="0"/>
+              <a:t> Implement containers running SQL Server for new VMs</a:t>
+            </a:r>
+          </a:p>
+          <a:p>
+            <a:pPr lvl="1"/>
+            <a:r>
+              <a:rPr lang="en-GB" sz="3200" dirty="0"/>
+              <a:t> SQL containers built from custom image </a:t>
+            </a:r>
+          </a:p>
+          <a:p>
+            <a:pPr lvl="1"/>
+            <a:r>
+              <a:rPr lang="en-GB" sz="3200" dirty="0"/>
+              <a:t> No longer need to install SQL</a:t>
+            </a:r>
+          </a:p>
+          <a:p>
+            <a:pPr lvl="1"/>
+            <a:r>
+              <a:rPr lang="en-GB" sz="3200" dirty="0"/>
+              <a:t> No longer need to restore databases</a:t>
+            </a:r>
+          </a:p>
+          <a:p>
+            <a:pPr lvl="1"/>
+            <a:r>
+              <a:rPr lang="en-GB" sz="3200" dirty="0"/>
+              <a:t> Resources freed up on VMs</a:t>
+            </a:r>
+          </a:p>
+        </p:txBody>
+      </p:sp>
+    </p:spTree>
+    <p:extLst>
+      <p:ext uri="{BB962C8B-B14F-4D97-AF65-F5344CB8AC3E}">
+        <p14:creationId xmlns:p14="http://schemas.microsoft.com/office/powerpoint/2010/main" val="1112767699"/>
+      </p:ext>
+    </p:extLst>
+  </p:cSld>
+  <p:clrMapOvr>
+    <a:masterClrMapping/>
+  </p:clrMapOvr>
+</p:sld>
+</file>
+
+<file path=ppt/slides/slide16.xml><?xml version="1.0" encoding="utf-8"?>
+<p:sld xmlns:a="http://schemas.openxmlformats.org/drawingml/2006/main" xmlns:r="http://schemas.openxmlformats.org/officeDocument/2006/relationships" xmlns:p="http://schemas.openxmlformats.org/presentationml/2006/main" showMasterSp="0">
+  <p:cSld>
+    <p:spTree>
+      <p:nvGrpSpPr>
+        <p:cNvPr id="1" name=""/>
+        <p:cNvGrpSpPr/>
+        <p:nvPr/>
+      </p:nvGrpSpPr>
+      <p:grpSpPr>
+        <a:xfrm>
+          <a:off x="0" y="0"/>
+          <a:ext cx="0" cy="0"/>
+          <a:chOff x="0" y="0"/>
+          <a:chExt cx="0" cy="0"/>
+        </a:xfrm>
+      </p:grpSpPr>
+      <p:sp>
+        <p:nvSpPr>
+          <p:cNvPr id="2" name="Title 1"/>
+          <p:cNvSpPr>
+            <a:spLocks noGrp="1"/>
+          </p:cNvSpPr>
+          <p:nvPr>
+            <p:ph type="title"/>
+          </p:nvPr>
+        </p:nvSpPr>
+        <p:spPr>
+          <a:xfrm>
             <a:off x="338666" y="263525"/>
             <a:ext cx="10515600" cy="1325563"/>
           </a:xfrm>
@@ -4113,7 +4165,7 @@
 </p:sld>
 </file>
 
-<file path=ppt/slides/slide16.xml><?xml version="1.0" encoding="utf-8"?>
+<file path=ppt/slides/slide17.xml><?xml version="1.0" encoding="utf-8"?>
 <p:sld xmlns:a="http://schemas.openxmlformats.org/drawingml/2006/main" xmlns:r="http://schemas.openxmlformats.org/officeDocument/2006/relationships" xmlns:p="http://schemas.openxmlformats.org/presentationml/2006/main" showMasterSp="0">
   <p:cSld>
     <p:spTree>
@@ -4211,132 +4263,6 @@
 </p:sld>
 </file>
 
-<file path=ppt/slides/slide17.xml><?xml version="1.0" encoding="utf-8"?>
-<p:sld xmlns:a="http://schemas.openxmlformats.org/drawingml/2006/main" xmlns:r="http://schemas.openxmlformats.org/officeDocument/2006/relationships" xmlns:p="http://schemas.openxmlformats.org/presentationml/2006/main" showMasterSp="0">
-  <p:cSld>
-    <p:spTree>
-      <p:nvGrpSpPr>
-        <p:cNvPr id="1" name=""/>
-        <p:cNvGrpSpPr/>
-        <p:nvPr/>
-      </p:nvGrpSpPr>
-      <p:grpSpPr>
-        <a:xfrm>
-          <a:off x="0" y="0"/>
-          <a:ext cx="0" cy="0"/>
-          <a:chOff x="0" y="0"/>
-          <a:chExt cx="0" cy="0"/>
-        </a:xfrm>
-      </p:grpSpPr>
-      <p:sp>
-        <p:nvSpPr>
-          <p:cNvPr id="2" name="Title 1"/>
-          <p:cNvSpPr>
-            <a:spLocks noGrp="1"/>
-          </p:cNvSpPr>
-          <p:nvPr>
-            <p:ph type="title"/>
-          </p:nvPr>
-        </p:nvSpPr>
-        <p:spPr>
-          <a:xfrm>
-            <a:off x="321733" y="255059"/>
-            <a:ext cx="10515600" cy="1325563"/>
-          </a:xfrm>
-        </p:spPr>
-        <p:txBody>
-          <a:bodyPr/>
-          <a:lstStyle/>
-          <a:p>
-            <a:r>
-              <a:rPr lang="en-GB" dirty="0">
-                <a:solidFill>
-                  <a:schemeClr val="accent1"/>
-                </a:solidFill>
-              </a:rPr>
-              <a:t>Benefits</a:t>
-            </a:r>
-          </a:p>
-        </p:txBody>
-      </p:sp>
-      <p:sp>
-        <p:nvSpPr>
-          <p:cNvPr id="3" name="Content Placeholder 2"/>
-          <p:cNvSpPr>
-            <a:spLocks noGrp="1"/>
-          </p:cNvSpPr>
-          <p:nvPr>
-            <p:ph idx="1"/>
-          </p:nvPr>
-        </p:nvSpPr>
-        <p:spPr/>
-        <p:txBody>
-          <a:bodyPr>
-            <a:normAutofit/>
-          </a:bodyPr>
-          <a:lstStyle/>
-          <a:p>
-            <a:pPr marL="0" indent="0">
-              <a:buNone/>
-            </a:pPr>
-            <a:r>
-              <a:rPr lang="en-GB" dirty="0"/>
-              <a:t> </a:t>
-            </a:r>
-          </a:p>
-          <a:p>
-            <a:r>
-              <a:rPr lang="en-GB" sz="2800" dirty="0"/>
-              <a:t> New VMs deployed in a fraction of the previous time </a:t>
-            </a:r>
-          </a:p>
-          <a:p>
-            <a:r>
-              <a:rPr lang="en-GB" sz="2800" dirty="0"/>
-              <a:t> No longer need to run </a:t>
-            </a:r>
-            <a:r>
-              <a:rPr lang="en-GB" sz="2800" dirty="0" err="1"/>
-              <a:t>PoSH</a:t>
-            </a:r>
-            <a:r>
-              <a:rPr lang="en-GB" sz="2800" dirty="0"/>
-              <a:t> scripts to restore databases</a:t>
-            </a:r>
-          </a:p>
-          <a:p>
-            <a:r>
-              <a:rPr lang="en-GB" sz="2800" dirty="0"/>
-              <a:t> Base image can be used to keep containers at production SQL      instance’s patch level</a:t>
-            </a:r>
-          </a:p>
-          <a:p>
-            <a:r>
-              <a:rPr lang="en-GB" sz="2800" dirty="0"/>
-              <a:t> More VMs can be provisioned on host due to each VM requiring less resources</a:t>
-            </a:r>
-          </a:p>
-          <a:p>
-            <a:pPr marL="0" indent="0">
-              <a:buNone/>
-            </a:pPr>
-            <a:endParaRPr lang="en-GB" dirty="0"/>
-          </a:p>
-        </p:txBody>
-      </p:sp>
-    </p:spTree>
-    <p:extLst>
-      <p:ext uri="{BB962C8B-B14F-4D97-AF65-F5344CB8AC3E}">
-        <p14:creationId xmlns:p14="http://schemas.microsoft.com/office/powerpoint/2010/main" val="3833986894"/>
-      </p:ext>
-    </p:extLst>
-  </p:cSld>
-  <p:clrMapOvr>
-    <a:masterClrMapping/>
-  </p:clrMapOvr>
-</p:sld>
-</file>
-
 <file path=ppt/slides/slide18.xml><?xml version="1.0" encoding="utf-8"?>
 <p:sld xmlns:a="http://schemas.openxmlformats.org/drawingml/2006/main" xmlns:r="http://schemas.openxmlformats.org/officeDocument/2006/relationships" xmlns:p="http://schemas.openxmlformats.org/presentationml/2006/main" showMasterSp="0">
   <p:cSld>
@@ -4366,7 +4292,7 @@
         </p:nvSpPr>
         <p:spPr>
           <a:xfrm>
-            <a:off x="330200" y="263525"/>
+            <a:off x="321733" y="255059"/>
             <a:ext cx="10515600" cy="1325563"/>
           </a:xfrm>
         </p:spPr>
@@ -4380,7 +4306,7 @@
                   <a:schemeClr val="accent1"/>
                 </a:solidFill>
               </a:rPr>
-              <a:t>Issues</a:t>
+              <a:t>Benefits</a:t>
             </a:r>
           </a:p>
         </p:txBody>
@@ -4397,7 +4323,9 @@
         </p:nvSpPr>
         <p:spPr/>
         <p:txBody>
-          <a:bodyPr/>
+          <a:bodyPr>
+            <a:normAutofit/>
+          </a:bodyPr>
           <a:lstStyle/>
           <a:p>
             <a:pPr marL="0" indent="0">
@@ -4410,34 +4338,48 @@
           </a:p>
           <a:p>
             <a:r>
-              <a:rPr lang="en-GB" sz="3200" dirty="0"/>
-              <a:t>Apps using DNS entries to reference local SQL instance</a:t>
-            </a:r>
-          </a:p>
-          <a:p>
-            <a:r>
-              <a:rPr lang="en-GB" sz="3200" dirty="0"/>
-              <a:t>Update to existing test applications</a:t>
-            </a:r>
-          </a:p>
-          <a:p>
-            <a:r>
-              <a:rPr lang="en-GB" sz="3200" dirty="0"/>
-              <a:t>Trial and error to integrate with Octopus deploy</a:t>
-            </a:r>
-          </a:p>
-          <a:p>
-            <a:r>
-              <a:rPr lang="en-GB" sz="3200" dirty="0"/>
-              <a:t>New ways of thinking</a:t>
-            </a:r>
+              <a:rPr lang="en-GB" sz="2800" dirty="0"/>
+              <a:t> New VMs deployed in a fraction of the previous time </a:t>
+            </a:r>
+          </a:p>
+          <a:p>
+            <a:r>
+              <a:rPr lang="en-GB" sz="2800" dirty="0"/>
+              <a:t> No longer need to run </a:t>
+            </a:r>
+            <a:r>
+              <a:rPr lang="en-GB" sz="2800" dirty="0" err="1"/>
+              <a:t>PoSH</a:t>
+            </a:r>
+            <a:r>
+              <a:rPr lang="en-GB" sz="2800" dirty="0"/>
+              <a:t> scripts to restore databases</a:t>
+            </a:r>
+          </a:p>
+          <a:p>
+            <a:r>
+              <a:rPr lang="en-GB" sz="2800" dirty="0"/>
+              <a:t> Base image can be used to keep containers at production SQL      instance’s patch level</a:t>
+            </a:r>
+          </a:p>
+          <a:p>
+            <a:r>
+              <a:rPr lang="en-GB" sz="2800" dirty="0"/>
+              <a:t> More VMs can be provisioned on host due to each VM requiring less resources</a:t>
+            </a:r>
+          </a:p>
+          <a:p>
+            <a:pPr marL="0" indent="0">
+              <a:buNone/>
+            </a:pPr>
+            <a:endParaRPr lang="en-GB" dirty="0"/>
           </a:p>
         </p:txBody>
       </p:sp>
     </p:spTree>
     <p:extLst>
       <p:ext uri="{BB962C8B-B14F-4D97-AF65-F5344CB8AC3E}">
-        <p14:creationId xmlns:p14="http://schemas.microsoft.com/office/powerpoint/2010/main" val="511035034"/>
+        <p14:creationId xmlns:p14="http://schemas.microsoft.com/office/powerpoint/2010/main" val="3833986894"/>
       </p:ext>
     </p:extLst>
   </p:cSld>
@@ -4466,7 +4408,7 @@
       </p:grpSpPr>
       <p:sp>
         <p:nvSpPr>
-          <p:cNvPr id="4" name="Title 3"/>
+          <p:cNvPr id="2" name="Title 1"/>
           <p:cNvSpPr>
             <a:spLocks noGrp="1"/>
           </p:cNvSpPr>
@@ -4474,7 +4416,12 @@
             <p:ph type="title"/>
           </p:nvPr>
         </p:nvSpPr>
-        <p:spPr/>
+        <p:spPr>
+          <a:xfrm>
+            <a:off x="330200" y="263525"/>
+            <a:ext cx="10515600" cy="1325563"/>
+          </a:xfrm>
+        </p:spPr>
         <p:txBody>
           <a:bodyPr/>
           <a:lstStyle/>
@@ -4485,19 +4432,19 @@
                   <a:schemeClr val="accent1"/>
                 </a:solidFill>
               </a:rPr>
-              <a:t>Resources</a:t>
-            </a:r>
-          </a:p>
-        </p:txBody>
-      </p:sp>
-      <p:sp>
-        <p:nvSpPr>
-          <p:cNvPr id="5" name="Text Placeholder 4"/>
-          <p:cNvSpPr>
-            <a:spLocks noGrp="1"/>
-          </p:cNvSpPr>
-          <p:nvPr>
-            <p:ph type="body" idx="1"/>
+              <a:t>Issues</a:t>
+            </a:r>
+          </a:p>
+        </p:txBody>
+      </p:sp>
+      <p:sp>
+        <p:nvSpPr>
+          <p:cNvPr id="3" name="Content Placeholder 2"/>
+          <p:cNvSpPr>
+            <a:spLocks noGrp="1"/>
+          </p:cNvSpPr>
+          <p:nvPr>
+            <p:ph idx="1"/>
           </p:nvPr>
         </p:nvSpPr>
         <p:spPr/>
@@ -4505,14 +4452,44 @@
           <a:bodyPr/>
           <a:lstStyle/>
           <a:p>
-            <a:endParaRPr lang="en-GB"/>
+            <a:pPr marL="0" indent="0">
+              <a:buNone/>
+            </a:pPr>
+            <a:r>
+              <a:rPr lang="en-GB" dirty="0"/>
+              <a:t> </a:t>
+            </a:r>
+          </a:p>
+          <a:p>
+            <a:r>
+              <a:rPr lang="en-GB" sz="3200" dirty="0"/>
+              <a:t>Apps using DNS entries to reference local SQL instance</a:t>
+            </a:r>
+          </a:p>
+          <a:p>
+            <a:r>
+              <a:rPr lang="en-GB" sz="3200" dirty="0"/>
+              <a:t>Update to existing test applications</a:t>
+            </a:r>
+          </a:p>
+          <a:p>
+            <a:r>
+              <a:rPr lang="en-GB" sz="3200" dirty="0"/>
+              <a:t>Trial and error to integrate with Octopus deploy</a:t>
+            </a:r>
+          </a:p>
+          <a:p>
+            <a:r>
+              <a:rPr lang="en-GB" sz="3200" dirty="0"/>
+              <a:t>New ways of thinking</a:t>
+            </a:r>
           </a:p>
         </p:txBody>
       </p:sp>
     </p:spTree>
     <p:extLst>
       <p:ext uri="{BB962C8B-B14F-4D97-AF65-F5344CB8AC3E}">
-        <p14:creationId xmlns:p14="http://schemas.microsoft.com/office/powerpoint/2010/main" val="1041656077"/>
+        <p14:creationId xmlns:p14="http://schemas.microsoft.com/office/powerpoint/2010/main" val="511035034"/>
       </p:ext>
     </p:extLst>
   </p:cSld>
@@ -4726,6 +4703,81 @@
       </p:grpSpPr>
       <p:sp>
         <p:nvSpPr>
+          <p:cNvPr id="4" name="Title 3"/>
+          <p:cNvSpPr>
+            <a:spLocks noGrp="1"/>
+          </p:cNvSpPr>
+          <p:nvPr>
+            <p:ph type="title"/>
+          </p:nvPr>
+        </p:nvSpPr>
+        <p:spPr/>
+        <p:txBody>
+          <a:bodyPr/>
+          <a:lstStyle/>
+          <a:p>
+            <a:r>
+              <a:rPr lang="en-GB" dirty="0">
+                <a:solidFill>
+                  <a:schemeClr val="accent1"/>
+                </a:solidFill>
+              </a:rPr>
+              <a:t>Resources</a:t>
+            </a:r>
+          </a:p>
+        </p:txBody>
+      </p:sp>
+      <p:sp>
+        <p:nvSpPr>
+          <p:cNvPr id="5" name="Text Placeholder 4"/>
+          <p:cNvSpPr>
+            <a:spLocks noGrp="1"/>
+          </p:cNvSpPr>
+          <p:nvPr>
+            <p:ph type="body" idx="1"/>
+          </p:nvPr>
+        </p:nvSpPr>
+        <p:spPr/>
+        <p:txBody>
+          <a:bodyPr/>
+          <a:lstStyle/>
+          <a:p>
+            <a:endParaRPr lang="en-GB"/>
+          </a:p>
+        </p:txBody>
+      </p:sp>
+    </p:spTree>
+    <p:extLst>
+      <p:ext uri="{BB962C8B-B14F-4D97-AF65-F5344CB8AC3E}">
+        <p14:creationId xmlns:p14="http://schemas.microsoft.com/office/powerpoint/2010/main" val="1041656077"/>
+      </p:ext>
+    </p:extLst>
+  </p:cSld>
+  <p:clrMapOvr>
+    <a:masterClrMapping/>
+  </p:clrMapOvr>
+</p:sld>
+</file>
+
+<file path=ppt/slides/slide21.xml><?xml version="1.0" encoding="utf-8"?>
+<p:sld xmlns:a="http://schemas.openxmlformats.org/drawingml/2006/main" xmlns:r="http://schemas.openxmlformats.org/officeDocument/2006/relationships" xmlns:p="http://schemas.openxmlformats.org/presentationml/2006/main" showMasterSp="0">
+  <p:cSld>
+    <p:spTree>
+      <p:nvGrpSpPr>
+        <p:cNvPr id="1" name=""/>
+        <p:cNvGrpSpPr/>
+        <p:nvPr/>
+      </p:nvGrpSpPr>
+      <p:grpSpPr>
+        <a:xfrm>
+          <a:off x="0" y="0"/>
+          <a:ext cx="0" cy="0"/>
+          <a:chOff x="0" y="0"/>
+          <a:chExt cx="0" cy="0"/>
+        </a:xfrm>
+      </p:grpSpPr>
+      <p:sp>
+        <p:nvSpPr>
           <p:cNvPr id="2" name="Title 1"/>
           <p:cNvSpPr>
             <a:spLocks noGrp="1"/>
@@ -4889,7 +4941,7 @@
 </p:sld>
 </file>
 
-<file path=ppt/slides/slide21.xml><?xml version="1.0" encoding="utf-8"?>
+<file path=ppt/slides/slide22.xml><?xml version="1.0" encoding="utf-8"?>
 <p:sld xmlns:a="http://schemas.openxmlformats.org/drawingml/2006/main" xmlns:r="http://schemas.openxmlformats.org/officeDocument/2006/relationships" xmlns:p="http://schemas.openxmlformats.org/presentationml/2006/main" showMasterSp="0">
   <p:cSld>
     <p:spTree>
@@ -5546,159 +5598,6 @@
       </p:grpSpPr>
       <p:sp>
         <p:nvSpPr>
-          <p:cNvPr id="5" name="Title 4"/>
-          <p:cNvSpPr>
-            <a:spLocks noGrp="1"/>
-          </p:cNvSpPr>
-          <p:nvPr>
-            <p:ph type="title"/>
-          </p:nvPr>
-        </p:nvSpPr>
-        <p:spPr>
-          <a:xfrm>
-            <a:off x="838200" y="963877"/>
-            <a:ext cx="3505200" cy="4930246"/>
-          </a:xfrm>
-        </p:spPr>
-        <p:txBody>
-          <a:bodyPr>
-            <a:normAutofit/>
-          </a:bodyPr>
-          <a:lstStyle/>
-          <a:p>
-            <a:pPr algn="r"/>
-            <a:r>
-              <a:rPr lang="en-GB" dirty="0">
-                <a:solidFill>
-                  <a:schemeClr val="accent1"/>
-                </a:solidFill>
-              </a:rPr>
-              <a:t>Container fundamentals</a:t>
-            </a:r>
-          </a:p>
-        </p:txBody>
-      </p:sp>
-      <p:sp>
-        <p:nvSpPr>
-          <p:cNvPr id="4" name="Content Placeholder 3"/>
-          <p:cNvSpPr>
-            <a:spLocks noGrp="1"/>
-          </p:cNvSpPr>
-          <p:nvPr>
-            <p:ph idx="1"/>
-          </p:nvPr>
-        </p:nvSpPr>
-        <p:spPr>
-          <a:xfrm>
-            <a:off x="4976031" y="963877"/>
-            <a:ext cx="6377769" cy="4930246"/>
-          </a:xfrm>
-        </p:spPr>
-        <p:txBody>
-          <a:bodyPr anchor="ctr">
-            <a:normAutofit/>
-          </a:bodyPr>
-          <a:lstStyle/>
-          <a:p>
-            <a:pPr marL="0" indent="0">
-              <a:buNone/>
-            </a:pPr>
-            <a:r>
-              <a:rPr lang="en-GB" sz="2400" dirty="0"/>
-              <a:t>Container Host</a:t>
-            </a:r>
-          </a:p>
-          <a:p>
-            <a:pPr marL="0" indent="0">
-              <a:buNone/>
-            </a:pPr>
-            <a:r>
-              <a:rPr lang="en-GB" sz="2400" dirty="0"/>
-              <a:t>Container Engine</a:t>
-            </a:r>
-          </a:p>
-          <a:p>
-            <a:pPr marL="0" indent="0">
-              <a:buNone/>
-            </a:pPr>
-            <a:r>
-              <a:rPr lang="en-GB" sz="2400" dirty="0"/>
-              <a:t>Container Registry</a:t>
-            </a:r>
-          </a:p>
-          <a:p>
-            <a:pPr marL="0" indent="0">
-              <a:buNone/>
-            </a:pPr>
-            <a:r>
-              <a:rPr lang="en-GB" sz="2400" dirty="0"/>
-              <a:t>Container Images</a:t>
-            </a:r>
-          </a:p>
-        </p:txBody>
-      </p:sp>
-      <p:cxnSp>
-        <p:nvCxnSpPr>
-          <p:cNvPr id="7" name="Straight Connector 6"/>
-          <p:cNvCxnSpPr/>
-          <p:nvPr/>
-        </p:nvCxnSpPr>
-        <p:spPr>
-          <a:xfrm>
-            <a:off x="4620638" y="1070043"/>
-            <a:ext cx="19456" cy="4591455"/>
-          </a:xfrm>
-          <a:prstGeom prst="line">
-            <a:avLst/>
-          </a:prstGeom>
-        </p:spPr>
-        <p:style>
-          <a:lnRef idx="1">
-            <a:schemeClr val="accent1"/>
-          </a:lnRef>
-          <a:fillRef idx="0">
-            <a:schemeClr val="accent1"/>
-          </a:fillRef>
-          <a:effectRef idx="0">
-            <a:schemeClr val="accent1"/>
-          </a:effectRef>
-          <a:fontRef idx="minor">
-            <a:schemeClr val="tx1"/>
-          </a:fontRef>
-        </p:style>
-      </p:cxnSp>
-    </p:spTree>
-    <p:extLst>
-      <p:ext uri="{BB962C8B-B14F-4D97-AF65-F5344CB8AC3E}">
-        <p14:creationId xmlns:p14="http://schemas.microsoft.com/office/powerpoint/2010/main" val="3275866310"/>
-      </p:ext>
-    </p:extLst>
-  </p:cSld>
-  <p:clrMapOvr>
-    <a:masterClrMapping/>
-  </p:clrMapOvr>
-</p:sld>
-</file>
-
-<file path=ppt/slides/slide7.xml><?xml version="1.0" encoding="utf-8"?>
-<p:sld xmlns:a="http://schemas.openxmlformats.org/drawingml/2006/main" xmlns:r="http://schemas.openxmlformats.org/officeDocument/2006/relationships" xmlns:p="http://schemas.openxmlformats.org/presentationml/2006/main" showMasterSp="0">
-  <p:cSld>
-    <p:spTree>
-      <p:nvGrpSpPr>
-        <p:cNvPr id="1" name=""/>
-        <p:cNvGrpSpPr/>
-        <p:nvPr/>
-      </p:nvGrpSpPr>
-      <p:grpSpPr>
-        <a:xfrm>
-          <a:off x="0" y="0"/>
-          <a:ext cx="0" cy="0"/>
-          <a:chOff x="0" y="0"/>
-          <a:chExt cx="0" cy="0"/>
-        </a:xfrm>
-      </p:grpSpPr>
-      <p:sp>
-        <p:nvSpPr>
           <p:cNvPr id="2" name="Title 1"/>
           <p:cNvSpPr>
             <a:spLocks noGrp="1"/>
@@ -5777,6 +5676,128 @@
 </p:sld>
 </file>
 
+<file path=ppt/slides/slide7.xml><?xml version="1.0" encoding="utf-8"?>
+<p:sld xmlns:a="http://schemas.openxmlformats.org/drawingml/2006/main" xmlns:r="http://schemas.openxmlformats.org/officeDocument/2006/relationships" xmlns:p="http://schemas.openxmlformats.org/presentationml/2006/main" showMasterSp="0">
+  <p:cSld>
+    <p:spTree>
+      <p:nvGrpSpPr>
+        <p:cNvPr id="1" name=""/>
+        <p:cNvGrpSpPr/>
+        <p:nvPr/>
+      </p:nvGrpSpPr>
+      <p:grpSpPr>
+        <a:xfrm>
+          <a:off x="0" y="0"/>
+          <a:ext cx="0" cy="0"/>
+          <a:chOff x="0" y="0"/>
+          <a:chExt cx="0" cy="0"/>
+        </a:xfrm>
+      </p:grpSpPr>
+      <p:sp>
+        <p:nvSpPr>
+          <p:cNvPr id="2" name="Title 1"/>
+          <p:cNvSpPr>
+            <a:spLocks noGrp="1"/>
+          </p:cNvSpPr>
+          <p:nvPr>
+            <p:ph type="title"/>
+          </p:nvPr>
+        </p:nvSpPr>
+        <p:spPr>
+          <a:xfrm>
+            <a:off x="338667" y="251868"/>
+            <a:ext cx="10515600" cy="1325563"/>
+          </a:xfrm>
+        </p:spPr>
+        <p:txBody>
+          <a:bodyPr>
+            <a:normAutofit/>
+          </a:bodyPr>
+          <a:lstStyle/>
+          <a:p>
+            <a:r>
+              <a:rPr lang="en-GB" dirty="0">
+                <a:solidFill>
+                  <a:schemeClr val="accent1"/>
+                </a:solidFill>
+              </a:rPr>
+              <a:t>Pros</a:t>
+            </a:r>
+          </a:p>
+        </p:txBody>
+      </p:sp>
+      <p:sp>
+        <p:nvSpPr>
+          <p:cNvPr id="3" name="Content Placeholder 2"/>
+          <p:cNvSpPr>
+            <a:spLocks noGrp="1"/>
+          </p:cNvSpPr>
+          <p:nvPr>
+            <p:ph idx="1"/>
+          </p:nvPr>
+        </p:nvSpPr>
+        <p:spPr>
+          <a:xfrm>
+            <a:off x="846667" y="1509697"/>
+            <a:ext cx="10515600" cy="4351338"/>
+          </a:xfrm>
+        </p:spPr>
+        <p:txBody>
+          <a:bodyPr anchor="ctr">
+            <a:normAutofit/>
+          </a:bodyPr>
+          <a:lstStyle/>
+          <a:p>
+            <a:r>
+              <a:rPr lang="en-GB" sz="2400" dirty="0"/>
+              <a:t>Simple and fast setup</a:t>
+            </a:r>
+          </a:p>
+          <a:p>
+            <a:r>
+              <a:rPr lang="en-GB" sz="2400" dirty="0"/>
+              <a:t>New containers can be spun up in seconds</a:t>
+            </a:r>
+          </a:p>
+          <a:p>
+            <a:r>
+              <a:rPr lang="en-GB" sz="2400" dirty="0"/>
+              <a:t>Relatively low footprint compared to VMs</a:t>
+            </a:r>
+          </a:p>
+          <a:p>
+            <a:r>
+              <a:rPr lang="en-GB" sz="2400" dirty="0"/>
+              <a:t>Ability to customise images </a:t>
+            </a:r>
+          </a:p>
+          <a:p>
+            <a:r>
+              <a:rPr lang="en-GB" sz="2400" dirty="0"/>
+              <a:t>Access to Docker repository (hundreds of images available)</a:t>
+            </a:r>
+          </a:p>
+          <a:p>
+            <a:r>
+              <a:rPr lang="en-GB" sz="2400" dirty="0"/>
+              <a:t>Portability, images can be saved to the Docker Hub</a:t>
+            </a:r>
+          </a:p>
+        </p:txBody>
+      </p:sp>
+    </p:spTree>
+    <p:extLst>
+      <p:ext uri="{BB962C8B-B14F-4D97-AF65-F5344CB8AC3E}">
+        <p14:creationId xmlns:p14="http://schemas.microsoft.com/office/powerpoint/2010/main" val="4058721978"/>
+      </p:ext>
+    </p:extLst>
+  </p:cSld>
+  <p:clrMapOvr>
+    <a:masterClrMapping/>
+  </p:clrMapOvr>
+</p:sld>
+</file>
+
 <file path=ppt/slides/slide8.xml><?xml version="1.0" encoding="utf-8"?>
 <p:sld xmlns:a="http://schemas.openxmlformats.org/drawingml/2006/main" xmlns:r="http://schemas.openxmlformats.org/officeDocument/2006/relationships" xmlns:p="http://schemas.openxmlformats.org/presentationml/2006/main" showMasterSp="0">
   <p:cSld>
@@ -5806,7 +5827,7 @@
         </p:nvSpPr>
         <p:spPr>
           <a:xfrm>
-            <a:off x="338667" y="251868"/>
+            <a:off x="338666" y="268105"/>
             <a:ext cx="10515600" cy="1325563"/>
           </a:xfrm>
         </p:spPr>
@@ -5822,7 +5843,7 @@
                   <a:schemeClr val="accent1"/>
                 </a:solidFill>
               </a:rPr>
-              <a:t>Pros</a:t>
+              <a:t>Cons</a:t>
             </a:r>
           </a:p>
         </p:txBody>
@@ -5839,8 +5860,8 @@
         </p:nvSpPr>
         <p:spPr>
           <a:xfrm>
-            <a:off x="846667" y="1509697"/>
-            <a:ext cx="10515600" cy="4351338"/>
+            <a:off x="838200" y="1612536"/>
+            <a:ext cx="10515600" cy="3642768"/>
           </a:xfrm>
         </p:spPr>
         <p:txBody>
@@ -5851,37 +5872,31 @@
           <a:p>
             <a:r>
               <a:rPr lang="en-GB" sz="2400" dirty="0"/>
-              <a:t>Simple and fast setup</a:t>
+              <a:t>No windows authentication</a:t>
             </a:r>
           </a:p>
           <a:p>
             <a:r>
               <a:rPr lang="en-GB" sz="2400" dirty="0"/>
-              <a:t>New containers can be spun up in seconds</a:t>
+              <a:t>Only supported on Windows Server 2016 / Windows 10 Anniversary Edition</a:t>
             </a:r>
           </a:p>
           <a:p>
             <a:r>
               <a:rPr lang="en-GB" sz="2400" dirty="0"/>
-              <a:t>Relatively low footprint compared to VMs</a:t>
+              <a:t>Official SQL Server images for 2016 &amp; 2017 only</a:t>
             </a:r>
           </a:p>
           <a:p>
             <a:r>
               <a:rPr lang="en-GB" sz="2400" dirty="0"/>
-              <a:t>Ability to customise images </a:t>
+              <a:t>SQL images aren't the smallest (~13GB)</a:t>
             </a:r>
           </a:p>
           <a:p>
             <a:r>
               <a:rPr lang="en-GB" sz="2400" dirty="0"/>
-              <a:t>Access to Docker repository (hundreds of images available)</a:t>
-            </a:r>
-          </a:p>
-          <a:p>
-            <a:r>
-              <a:rPr lang="en-GB" sz="2400" dirty="0"/>
-              <a:t>Portability, images can be saved to the Docker Hub</a:t>
+              <a:t>Suitability for production?</a:t>
             </a:r>
           </a:p>
         </p:txBody>
@@ -5889,7 +5904,7 @@
     </p:spTree>
     <p:extLst>
       <p:ext uri="{BB962C8B-B14F-4D97-AF65-F5344CB8AC3E}">
-        <p14:creationId xmlns:p14="http://schemas.microsoft.com/office/powerpoint/2010/main" val="4058721978"/>
+        <p14:creationId xmlns:p14="http://schemas.microsoft.com/office/powerpoint/2010/main" val="355509731"/>
       </p:ext>
     </p:extLst>
   </p:cSld>
@@ -5928,84 +5943,61 @@
         </p:nvSpPr>
         <p:spPr>
           <a:xfrm>
-            <a:off x="338666" y="268105"/>
-            <a:ext cx="10515600" cy="1325563"/>
+            <a:off x="0" y="0"/>
+            <a:ext cx="5763662" cy="841404"/>
           </a:xfrm>
         </p:spPr>
         <p:txBody>
-          <a:bodyPr>
+          <a:bodyPr vert="horz" lIns="91440" tIns="45720" rIns="91440" bIns="45720" rtlCol="0" anchor="ctr">
             <a:normAutofit/>
           </a:bodyPr>
           <a:lstStyle/>
           <a:p>
             <a:r>
-              <a:rPr lang="en-GB" dirty="0">
+              <a:rPr lang="en-US" sz="4400" dirty="0">
                 <a:solidFill>
                   <a:schemeClr val="accent1"/>
                 </a:solidFill>
               </a:rPr>
-              <a:t>Cons</a:t>
-            </a:r>
-          </a:p>
-        </p:txBody>
-      </p:sp>
-      <p:sp>
-        <p:nvSpPr>
-          <p:cNvPr id="3" name="Content Placeholder 2"/>
-          <p:cNvSpPr>
-            <a:spLocks noGrp="1"/>
-          </p:cNvSpPr>
-          <p:nvPr>
-            <p:ph idx="1"/>
-          </p:nvPr>
-        </p:nvSpPr>
+              <a:t>Docker for Windows </a:t>
+            </a:r>
+          </a:p>
+        </p:txBody>
+      </p:sp>
+      <p:pic>
+        <p:nvPicPr>
+          <p:cNvPr id="9" name="Picture 8">
+            <a:extLst>
+              <a:ext uri="{FF2B5EF4-FFF2-40B4-BE49-F238E27FC236}">
+                <a16:creationId xmlns:a16="http://schemas.microsoft.com/office/drawing/2014/main" id="{FF726397-EBDD-4666-BDD7-9ACCB977DF78}"/>
+              </a:ext>
+            </a:extLst>
+          </p:cNvPr>
+          <p:cNvPicPr>
+            <a:picLocks noChangeAspect="1"/>
+          </p:cNvPicPr>
+          <p:nvPr/>
+        </p:nvPicPr>
+        <p:blipFill>
+          <a:blip r:embed="rId2"/>
+          <a:stretch>
+            <a:fillRect/>
+          </a:stretch>
+        </p:blipFill>
         <p:spPr>
           <a:xfrm>
-            <a:off x="838200" y="1612536"/>
-            <a:ext cx="10515600" cy="3642768"/>
+            <a:off x="1295789" y="794924"/>
+            <a:ext cx="9346909" cy="6063076"/>
           </a:xfrm>
+          <a:prstGeom prst="rect">
+            <a:avLst/>
+          </a:prstGeom>
         </p:spPr>
-        <p:txBody>
-          <a:bodyPr anchor="ctr">
-            <a:normAutofit/>
-          </a:bodyPr>
-          <a:lstStyle/>
-          <a:p>
-            <a:r>
-              <a:rPr lang="en-GB" sz="2400" dirty="0"/>
-              <a:t>No windows authentication</a:t>
-            </a:r>
-          </a:p>
-          <a:p>
-            <a:r>
-              <a:rPr lang="en-GB" sz="2400" dirty="0"/>
-              <a:t>Only supported on Windows Server 2016 / Windows 10 Anniversary Edition</a:t>
-            </a:r>
-          </a:p>
-          <a:p>
-            <a:r>
-              <a:rPr lang="en-GB" sz="2400" dirty="0"/>
-              <a:t>Official SQL Server images for 2016 &amp; 2017 only</a:t>
-            </a:r>
-          </a:p>
-          <a:p>
-            <a:r>
-              <a:rPr lang="en-GB" sz="2400" dirty="0"/>
-              <a:t>SQL images aren't the smallest (~13GB)</a:t>
-            </a:r>
-          </a:p>
-          <a:p>
-            <a:r>
-              <a:rPr lang="en-GB" sz="2400" dirty="0"/>
-              <a:t>Suitability for production?</a:t>
-            </a:r>
-          </a:p>
-        </p:txBody>
-      </p:sp>
+      </p:pic>
     </p:spTree>
     <p:extLst>
       <p:ext uri="{BB962C8B-B14F-4D97-AF65-F5344CB8AC3E}">
-        <p14:creationId xmlns:p14="http://schemas.microsoft.com/office/powerpoint/2010/main" val="355509731"/>
+        <p14:creationId xmlns:p14="http://schemas.microsoft.com/office/powerpoint/2010/main" val="3740280992"/>
       </p:ext>
     </p:extLst>
   </p:cSld>
